--- a/presentation/main.pptx
+++ b/presentation/main.pptx
@@ -210,7 +210,7 @@
           <a:p>
             <a:fld id="{1B4400B2-4669-47F2-8EDD-B9E5A65D679D}" type="datetimeFigureOut">
               <a:rPr lang="en-US" smtClean="0"/>
-              <a:t>5/29/2024</a:t>
+              <a:t>6/1/2024</a:t>
             </a:fld>
             <a:endParaRPr lang="en-US"/>
           </a:p>
@@ -692,7 +692,7 @@
           <a:p>
             <a:fld id="{C8DB26BB-B29C-44BB-AD90-1E76B0ED40F4}" type="datetimeFigureOut">
               <a:rPr lang="ru-RU" smtClean="0"/>
-              <a:t>29.05.2024</a:t>
+              <a:t>01.06.2024</a:t>
             </a:fld>
             <a:endParaRPr lang="ru-RU"/>
           </a:p>
@@ -862,7 +862,7 @@
           <a:p>
             <a:fld id="{C8DB26BB-B29C-44BB-AD90-1E76B0ED40F4}" type="datetimeFigureOut">
               <a:rPr lang="ru-RU" smtClean="0"/>
-              <a:t>29.05.2024</a:t>
+              <a:t>01.06.2024</a:t>
             </a:fld>
             <a:endParaRPr lang="ru-RU"/>
           </a:p>
@@ -1042,7 +1042,7 @@
           <a:p>
             <a:fld id="{C8DB26BB-B29C-44BB-AD90-1E76B0ED40F4}" type="datetimeFigureOut">
               <a:rPr lang="ru-RU" smtClean="0"/>
-              <a:t>29.05.2024</a:t>
+              <a:t>01.06.2024</a:t>
             </a:fld>
             <a:endParaRPr lang="ru-RU"/>
           </a:p>
@@ -2007,7 +2007,7 @@
           <a:p>
             <a:fld id="{C8DB26BB-B29C-44BB-AD90-1E76B0ED40F4}" type="datetimeFigureOut">
               <a:rPr lang="ru-RU" smtClean="0"/>
-              <a:t>29.05.2024</a:t>
+              <a:t>01.06.2024</a:t>
             </a:fld>
             <a:endParaRPr lang="ru-RU"/>
           </a:p>
@@ -2251,7 +2251,7 @@
           <a:p>
             <a:fld id="{C8DB26BB-B29C-44BB-AD90-1E76B0ED40F4}" type="datetimeFigureOut">
               <a:rPr lang="ru-RU" smtClean="0"/>
-              <a:t>29.05.2024</a:t>
+              <a:t>01.06.2024</a:t>
             </a:fld>
             <a:endParaRPr lang="ru-RU"/>
           </a:p>
@@ -2483,7 +2483,7 @@
           <a:p>
             <a:fld id="{C8DB26BB-B29C-44BB-AD90-1E76B0ED40F4}" type="datetimeFigureOut">
               <a:rPr lang="ru-RU" smtClean="0"/>
-              <a:t>29.05.2024</a:t>
+              <a:t>01.06.2024</a:t>
             </a:fld>
             <a:endParaRPr lang="ru-RU"/>
           </a:p>
@@ -2850,7 +2850,7 @@
           <a:p>
             <a:fld id="{C8DB26BB-B29C-44BB-AD90-1E76B0ED40F4}" type="datetimeFigureOut">
               <a:rPr lang="ru-RU" smtClean="0"/>
-              <a:t>29.05.2024</a:t>
+              <a:t>01.06.2024</a:t>
             </a:fld>
             <a:endParaRPr lang="ru-RU"/>
           </a:p>
@@ -2968,7 +2968,7 @@
           <a:p>
             <a:fld id="{C8DB26BB-B29C-44BB-AD90-1E76B0ED40F4}" type="datetimeFigureOut">
               <a:rPr lang="ru-RU" smtClean="0"/>
-              <a:t>29.05.2024</a:t>
+              <a:t>01.06.2024</a:t>
             </a:fld>
             <a:endParaRPr lang="ru-RU"/>
           </a:p>
@@ -3063,7 +3063,7 @@
           <a:p>
             <a:fld id="{C8DB26BB-B29C-44BB-AD90-1E76B0ED40F4}" type="datetimeFigureOut">
               <a:rPr lang="ru-RU" smtClean="0"/>
-              <a:t>29.05.2024</a:t>
+              <a:t>01.06.2024</a:t>
             </a:fld>
             <a:endParaRPr lang="ru-RU"/>
           </a:p>
@@ -3340,7 +3340,7 @@
           <a:p>
             <a:fld id="{C8DB26BB-B29C-44BB-AD90-1E76B0ED40F4}" type="datetimeFigureOut">
               <a:rPr lang="ru-RU" smtClean="0"/>
-              <a:t>29.05.2024</a:t>
+              <a:t>01.06.2024</a:t>
             </a:fld>
             <a:endParaRPr lang="ru-RU"/>
           </a:p>
@@ -3597,7 +3597,7 @@
           <a:p>
             <a:fld id="{C8DB26BB-B29C-44BB-AD90-1E76B0ED40F4}" type="datetimeFigureOut">
               <a:rPr lang="ru-RU" smtClean="0"/>
-              <a:t>29.05.2024</a:t>
+              <a:t>01.06.2024</a:t>
             </a:fld>
             <a:endParaRPr lang="ru-RU"/>
           </a:p>
@@ -3810,7 +3810,7 @@
           <a:p>
             <a:fld id="{C8DB26BB-B29C-44BB-AD90-1E76B0ED40F4}" type="datetimeFigureOut">
               <a:rPr lang="ru-RU" smtClean="0"/>
-              <a:t>29.05.2024</a:t>
+              <a:t>01.06.2024</a:t>
             </a:fld>
             <a:endParaRPr lang="ru-RU"/>
           </a:p>
@@ -9634,10 +9634,10 @@
       </p:sp>
       <p:pic>
         <p:nvPicPr>
-          <p:cNvPr id="5" name="Picture 4">
+          <p:cNvPr id="4" name="Picture 3">
             <a:extLst>
               <a:ext uri="{FF2B5EF4-FFF2-40B4-BE49-F238E27FC236}">
-                <a16:creationId xmlns:a16="http://schemas.microsoft.com/office/drawing/2014/main" id="{525A488B-A72C-B9F9-BA63-6E5A84A5423D}"/>
+                <a16:creationId xmlns:a16="http://schemas.microsoft.com/office/drawing/2014/main" id="{1E6101AB-47BE-7F62-6CDD-CA6B68EC1274}"/>
               </a:ext>
             </a:extLst>
           </p:cNvPr>
@@ -9660,8 +9660,8 @@
         </p:blipFill>
         <p:spPr>
           <a:xfrm>
-            <a:off x="1043710" y="1571304"/>
-            <a:ext cx="6998118" cy="4690952"/>
+            <a:off x="794327" y="1690690"/>
+            <a:ext cx="7491117" cy="4518451"/>
           </a:xfrm>
           <a:prstGeom prst="rect">
             <a:avLst/>
@@ -9865,10 +9865,10 @@
       </p:sp>
       <p:pic>
         <p:nvPicPr>
-          <p:cNvPr id="3" name="Picture 2">
+          <p:cNvPr id="5" name="Picture 4">
             <a:extLst>
               <a:ext uri="{FF2B5EF4-FFF2-40B4-BE49-F238E27FC236}">
-                <a16:creationId xmlns:a16="http://schemas.microsoft.com/office/drawing/2014/main" id="{CEA5FC65-A9CA-1C9B-47F8-DB985A3DDDCA}"/>
+                <a16:creationId xmlns:a16="http://schemas.microsoft.com/office/drawing/2014/main" id="{3DA604F2-BEB7-F40C-EA74-91C4C9D7D005}"/>
               </a:ext>
             </a:extLst>
           </p:cNvPr>
@@ -9891,8 +9891,8 @@
         </p:blipFill>
         <p:spPr>
           <a:xfrm>
-            <a:off x="1256145" y="1302088"/>
-            <a:ext cx="7583055" cy="5190787"/>
+            <a:off x="1717477" y="1344733"/>
+            <a:ext cx="6133432" cy="5148142"/>
           </a:xfrm>
           <a:prstGeom prst="rect">
             <a:avLst/>
